--- a/findings/merchant_persona.pptx
+++ b/findings/merchant_persona.pptx
@@ -226,7 +226,7 @@
           <a:p>
             <a:fld id="{73F4CB37-F97B-4530-B4E6-0474AB733BE3}" type="datetimeFigureOut">
               <a:rPr kumimoji="1" lang="ja-JP" altLang="en-US" smtClean="0"/>
-              <a:t>2020/4/15</a:t>
+              <a:t>2020/5/20</a:t>
             </a:fld>
             <a:endParaRPr kumimoji="1" lang="ja-JP" altLang="en-US"/>
           </a:p>
@@ -391,7 +391,7 @@
           <a:p>
             <a:fld id="{3AE129ED-E021-412F-A6BB-F29022CB135E}" type="datetimeFigureOut">
               <a:rPr kumimoji="1" lang="ja-JP" altLang="en-US" smtClean="0"/>
-              <a:t>2020/4/15</a:t>
+              <a:t>2020/5/20</a:t>
             </a:fld>
             <a:endParaRPr kumimoji="1" lang="ja-JP" altLang="en-US"/>
           </a:p>
@@ -3100,7 +3100,7 @@
           </a:ln>
           <a:extLst>
             <a:ext uri="{C572A759-6A51-4108-AA02-DFA0A04FC94B}">
-              <ma14:wrappingTextBoxFlag xmlns:ma14="http://schemas.microsoft.com/office/mac/drawingml/2011/main" xmlns="" val="1"/>
+              <ma14:wrappingTextBoxFlag xmlns="" xmlns:ma14="http://schemas.microsoft.com/office/mac/drawingml/2011/main" val="1"/>
             </a:ext>
           </a:extLst>
         </p:spPr>
@@ -4994,7 +4994,7 @@
           </a:ln>
           <a:extLst>
             <a:ext uri="{C572A759-6A51-4108-AA02-DFA0A04FC94B}">
-              <ma14:wrappingTextBoxFlag xmlns="" xmlns:ma14="http://schemas.microsoft.com/office/mac/drawingml/2011/main" val="1"/>
+              <ma14:wrappingTextBoxFlag xmlns:ma14="http://schemas.microsoft.com/office/mac/drawingml/2011/main" xmlns="" val="1"/>
             </a:ext>
           </a:extLst>
         </p:spPr>
@@ -6175,7 +6175,7 @@
           </a:ln>
           <a:extLst>
             <a:ext uri="{C572A759-6A51-4108-AA02-DFA0A04FC94B}">
-              <ma14:wrappingTextBoxFlag xmlns="" xmlns:ma14="http://schemas.microsoft.com/office/mac/drawingml/2011/main" val="1"/>
+              <ma14:wrappingTextBoxFlag xmlns:ma14="http://schemas.microsoft.com/office/mac/drawingml/2011/main" xmlns="" val="1"/>
             </a:ext>
           </a:extLst>
         </p:spPr>
@@ -9568,7 +9568,7 @@
           </a:ln>
           <a:extLst>
             <a:ext uri="{C572A759-6A51-4108-AA02-DFA0A04FC94B}">
-              <ma14:wrappingTextBoxFlag xmlns="" xmlns:ma14="http://schemas.microsoft.com/office/mac/drawingml/2011/main" val="1"/>
+              <ma14:wrappingTextBoxFlag xmlns:ma14="http://schemas.microsoft.com/office/mac/drawingml/2011/main" xmlns="" val="1"/>
             </a:ext>
           </a:extLst>
         </p:spPr>
@@ -11441,7 +11441,7 @@
           </a:ln>
           <a:extLst>
             <a:ext uri="{C572A759-6A51-4108-AA02-DFA0A04FC94B}">
-              <ma14:wrappingTextBoxFlag xmlns="" xmlns:ma14="http://schemas.microsoft.com/office/mac/drawingml/2011/main" val="1"/>
+              <ma14:wrappingTextBoxFlag xmlns:ma14="http://schemas.microsoft.com/office/mac/drawingml/2011/main" xmlns="" val="1"/>
             </a:ext>
           </a:extLst>
         </p:spPr>
@@ -11864,19 +11864,19 @@
       </p:grpSpPr>
       <p:pic>
         <p:nvPicPr>
-          <p:cNvPr id="16" name="圖片 15" descr="一張含有 螢幕擷取畫面 的圖片&#10;&#10;自動產生的描述">
+          <p:cNvPr id="1030" name="Picture 6">
             <a:extLst>
               <a:ext uri="{FF2B5EF4-FFF2-40B4-BE49-F238E27FC236}">
-                <a16:creationId xmlns:a16="http://schemas.microsoft.com/office/drawing/2014/main" id="{7D3181D6-4128-8048-9D38-490A4024C0D8}"/>
+                <a16:creationId xmlns:a16="http://schemas.microsoft.com/office/drawing/2014/main" id="{410C7503-4B8C-614C-89C4-0D1C2D59F845}"/>
               </a:ext>
             </a:extLst>
           </p:cNvPr>
           <p:cNvPicPr>
-            <a:picLocks noChangeAspect="1"/>
+            <a:picLocks noChangeAspect="1" noChangeArrowheads="1"/>
           </p:cNvPicPr>
           <p:nvPr/>
         </p:nvPicPr>
-        <p:blipFill>
+        <p:blipFill rotWithShape="1">
           <a:blip r:embed="rId3">
             <a:extLst>
               <a:ext uri="{28A0092B-C50C-407E-A947-70E740481C1C}">
@@ -11884,18 +11884,27 @@
               </a:ext>
             </a:extLst>
           </a:blip>
-          <a:stretch>
-            <a:fillRect/>
-          </a:stretch>
+          <a:srcRect l="11567" t="5195" r="8348"/>
+          <a:stretch/>
         </p:blipFill>
-        <p:spPr>
+        <p:spPr bwMode="auto">
           <a:xfrm>
-            <a:off x="0" y="1362784"/>
-            <a:ext cx="6918140" cy="4423529"/>
+            <a:off x="154671" y="1266003"/>
+            <a:ext cx="6863666" cy="4371553"/>
           </a:xfrm>
           <a:prstGeom prst="rect">
             <a:avLst/>
           </a:prstGeom>
+          <a:noFill/>
+          <a:extLst>
+            <a:ext uri="{909E8E84-426E-40DD-AFC4-6F175D3DCCD1}">
+              <a14:hiddenFill xmlns:a14="http://schemas.microsoft.com/office/drawing/2010/main">
+                <a:solidFill>
+                  <a:srgbClr val="FFFFFF"/>
+                </a:solidFill>
+              </a14:hiddenFill>
+            </a:ext>
+          </a:extLst>
         </p:spPr>
       </p:pic>
       <p:sp>
@@ -11935,7 +11944,7 @@
         </p:nvSpPr>
         <p:spPr>
           <a:xfrm>
-            <a:off x="6856817" y="1805376"/>
+            <a:off x="7061848" y="1677644"/>
             <a:ext cx="4795190" cy="954107"/>
           </a:xfrm>
           <a:prstGeom prst="rect">
@@ -12005,13 +12014,13 @@
               </a:ext>
             </a:extLst>
           </a:blip>
-          <a:srcRect l="14398" t="71009"/>
+          <a:srcRect l="20427" t="71009" r="2694"/>
           <a:stretch/>
         </p:blipFill>
         <p:spPr>
           <a:xfrm>
-            <a:off x="6651786" y="3603789"/>
-            <a:ext cx="5205252" cy="1988208"/>
+            <a:off x="7061848" y="2800225"/>
+            <a:ext cx="4674900" cy="1988208"/>
           </a:xfrm>
           <a:prstGeom prst="rect">
             <a:avLst/>
@@ -12032,7 +12041,7 @@
         </p:nvSpPr>
         <p:spPr>
           <a:xfrm>
-            <a:off x="2589018" y="1220444"/>
+            <a:off x="2055373" y="1220444"/>
             <a:ext cx="457200" cy="457200"/>
           </a:xfrm>
           <a:prstGeom prst="ellipse">
@@ -12085,7 +12094,7 @@
         </p:nvSpPr>
         <p:spPr>
           <a:xfrm>
-            <a:off x="4536855" y="1220444"/>
+            <a:off x="3788460" y="1220444"/>
             <a:ext cx="457200" cy="457200"/>
           </a:xfrm>
           <a:prstGeom prst="ellipse">
@@ -12138,8 +12147,8 @@
         </p:nvSpPr>
         <p:spPr>
           <a:xfrm>
-            <a:off x="5279764" y="2658064"/>
-            <a:ext cx="1931864" cy="893216"/>
+            <a:off x="2297069" y="5495881"/>
+            <a:ext cx="3934145" cy="544011"/>
           </a:xfrm>
           <a:prstGeom prst="roundRect">
             <a:avLst/>
@@ -12202,6 +12211,59 @@
               <a:t>)</a:t>
             </a:r>
             <a:endParaRPr kumimoji="1" lang="zh-TW" altLang="en-US" sz="1200" dirty="0"/>
+          </a:p>
+        </p:txBody>
+      </p:sp>
+      <p:sp>
+        <p:nvSpPr>
+          <p:cNvPr id="13" name="橢圓 12">
+            <a:extLst>
+              <a:ext uri="{FF2B5EF4-FFF2-40B4-BE49-F238E27FC236}">
+                <a16:creationId xmlns:a16="http://schemas.microsoft.com/office/drawing/2014/main" id="{D0E34527-519E-2140-8D32-B60A1826A756}"/>
+              </a:ext>
+            </a:extLst>
+          </p:cNvPr>
+          <p:cNvSpPr/>
+          <p:nvPr/>
+        </p:nvSpPr>
+        <p:spPr>
+          <a:xfrm>
+            <a:off x="5403398" y="1220444"/>
+            <a:ext cx="457200" cy="457200"/>
+          </a:xfrm>
+          <a:prstGeom prst="ellipse">
+            <a:avLst/>
+          </a:prstGeom>
+          <a:ln>
+            <a:noFill/>
+          </a:ln>
+        </p:spPr>
+        <p:style>
+          <a:lnRef idx="2">
+            <a:schemeClr val="accent1">
+              <a:shade val="50000"/>
+            </a:schemeClr>
+          </a:lnRef>
+          <a:fillRef idx="1">
+            <a:schemeClr val="accent1"/>
+          </a:fillRef>
+          <a:effectRef idx="0">
+            <a:schemeClr val="accent1"/>
+          </a:effectRef>
+          <a:fontRef idx="minor">
+            <a:schemeClr val="lt1"/>
+          </a:fontRef>
+        </p:style>
+        <p:txBody>
+          <a:bodyPr rtlCol="0" anchor="ctr"/>
+          <a:lstStyle/>
+          <a:p>
+            <a:pPr algn="ctr"/>
+            <a:r>
+              <a:rPr kumimoji="1" lang="en-US" altLang="zh-TW" dirty="0"/>
+              <a:t>3</a:t>
+            </a:r>
+            <a:endParaRPr kumimoji="1" lang="zh-TW" altLang="en-US" dirty="0"/>
           </a:p>
         </p:txBody>
       </p:sp>
